--- a/docs/diagrams/ModelComponentClassBetterOopDiagram.pptx
+++ b/docs/diagrams/ModelComponentClassBetterOopDiagram.pptx
@@ -208,7 +208,7 @@
           <a:p>
             <a:fld id="{F5CC4B3F-88C1-4FFA-B1B6-F41C21DC6924}" type="datetimeFigureOut">
               <a:rPr lang="en-US" smtClean="0"/>
-              <a:t>12/5/2018</a:t>
+              <a:t>4/2/2019</a:t>
             </a:fld>
             <a:endParaRPr lang="en-US"/>
           </a:p>
@@ -654,7 +654,7 @@
           <a:p>
             <a:fld id="{78C97017-6FC3-485B-9764-EAC9E56C1D49}" type="datetimeFigureOut">
               <a:rPr lang="en-US" smtClean="0"/>
-              <a:t>12/5/2018</a:t>
+              <a:t>4/2/2019</a:t>
             </a:fld>
             <a:endParaRPr lang="en-US"/>
           </a:p>
@@ -822,7 +822,7 @@
           <a:p>
             <a:fld id="{78C97017-6FC3-485B-9764-EAC9E56C1D49}" type="datetimeFigureOut">
               <a:rPr lang="en-US" smtClean="0"/>
-              <a:t>12/5/2018</a:t>
+              <a:t>4/2/2019</a:t>
             </a:fld>
             <a:endParaRPr lang="en-US"/>
           </a:p>
@@ -1000,7 +1000,7 @@
           <a:p>
             <a:fld id="{78C97017-6FC3-485B-9764-EAC9E56C1D49}" type="datetimeFigureOut">
               <a:rPr lang="en-US" smtClean="0"/>
-              <a:t>12/5/2018</a:t>
+              <a:t>4/2/2019</a:t>
             </a:fld>
             <a:endParaRPr lang="en-US"/>
           </a:p>
@@ -1168,7 +1168,7 @@
           <a:p>
             <a:fld id="{78C97017-6FC3-485B-9764-EAC9E56C1D49}" type="datetimeFigureOut">
               <a:rPr lang="en-US" smtClean="0"/>
-              <a:t>12/5/2018</a:t>
+              <a:t>4/2/2019</a:t>
             </a:fld>
             <a:endParaRPr lang="en-US"/>
           </a:p>
@@ -1413,7 +1413,7 @@
           <a:p>
             <a:fld id="{78C97017-6FC3-485B-9764-EAC9E56C1D49}" type="datetimeFigureOut">
               <a:rPr lang="en-US" smtClean="0"/>
-              <a:t>12/5/2018</a:t>
+              <a:t>4/2/2019</a:t>
             </a:fld>
             <a:endParaRPr lang="en-US"/>
           </a:p>
@@ -1698,7 +1698,7 @@
           <a:p>
             <a:fld id="{78C97017-6FC3-485B-9764-EAC9E56C1D49}" type="datetimeFigureOut">
               <a:rPr lang="en-US" smtClean="0"/>
-              <a:t>12/5/2018</a:t>
+              <a:t>4/2/2019</a:t>
             </a:fld>
             <a:endParaRPr lang="en-US"/>
           </a:p>
@@ -2117,7 +2117,7 @@
           <a:p>
             <a:fld id="{78C97017-6FC3-485B-9764-EAC9E56C1D49}" type="datetimeFigureOut">
               <a:rPr lang="en-US" smtClean="0"/>
-              <a:t>12/5/2018</a:t>
+              <a:t>4/2/2019</a:t>
             </a:fld>
             <a:endParaRPr lang="en-US"/>
           </a:p>
@@ -2234,7 +2234,7 @@
           <a:p>
             <a:fld id="{78C97017-6FC3-485B-9764-EAC9E56C1D49}" type="datetimeFigureOut">
               <a:rPr lang="en-US" smtClean="0"/>
-              <a:t>12/5/2018</a:t>
+              <a:t>4/2/2019</a:t>
             </a:fld>
             <a:endParaRPr lang="en-US"/>
           </a:p>
@@ -2329,7 +2329,7 @@
           <a:p>
             <a:fld id="{78C97017-6FC3-485B-9764-EAC9E56C1D49}" type="datetimeFigureOut">
               <a:rPr lang="en-US" smtClean="0"/>
-              <a:t>12/5/2018</a:t>
+              <a:t>4/2/2019</a:t>
             </a:fld>
             <a:endParaRPr lang="en-US"/>
           </a:p>
@@ -2604,7 +2604,7 @@
           <a:p>
             <a:fld id="{78C97017-6FC3-485B-9764-EAC9E56C1D49}" type="datetimeFigureOut">
               <a:rPr lang="en-US" smtClean="0"/>
-              <a:t>12/5/2018</a:t>
+              <a:t>4/2/2019</a:t>
             </a:fld>
             <a:endParaRPr lang="en-US"/>
           </a:p>
@@ -2856,7 +2856,7 @@
           <a:p>
             <a:fld id="{78C97017-6FC3-485B-9764-EAC9E56C1D49}" type="datetimeFigureOut">
               <a:rPr lang="en-US" smtClean="0"/>
-              <a:t>12/5/2018</a:t>
+              <a:t>4/2/2019</a:t>
             </a:fld>
             <a:endParaRPr lang="en-US"/>
           </a:p>
@@ -3067,7 +3067,7 @@
           <a:p>
             <a:fld id="{78C97017-6FC3-485B-9764-EAC9E56C1D49}" type="datetimeFigureOut">
               <a:rPr lang="en-US" smtClean="0"/>
-              <a:t>12/5/2018</a:t>
+              <a:t>4/2/2019</a:t>
             </a:fld>
             <a:endParaRPr lang="en-US"/>
           </a:p>
@@ -3488,7 +3488,7 @@
                   <a:srgbClr val="7030A0"/>
                 </a:solidFill>
               </a:rPr>
-              <a:t>VersionedAddressBook</a:t>
+              <a:t>EntryBook</a:t>
             </a:r>
             <a:endParaRPr lang="en-SG" sz="1050" dirty="0">
               <a:solidFill>
@@ -3544,7 +3544,7 @@
                   <a:srgbClr val="7030A0"/>
                 </a:solidFill>
               </a:rPr>
-              <a:t>UniquePersonList</a:t>
+              <a:t>UniqueEntryList</a:t>
             </a:r>
             <a:endParaRPr lang="en-SG" sz="1050" dirty="0">
               <a:solidFill>
@@ -3688,7 +3688,7 @@
                   <a:srgbClr val="7030A0"/>
                 </a:solidFill>
               </a:rPr>
-              <a:t>Person</a:t>
+              <a:t>Entry</a:t>
             </a:r>
             <a:endParaRPr lang="en-SG" sz="1050" dirty="0">
               <a:solidFill>
@@ -3794,7 +3794,7 @@
         <p:spPr>
           <a:xfrm>
             <a:off x="6680903" y="3053948"/>
-            <a:ext cx="708186" cy="285783"/>
+            <a:ext cx="867270" cy="285783"/>
           </a:xfrm>
           <a:prstGeom prst="rect">
             <a:avLst/>
@@ -3831,7 +3831,7 @@
                   <a:srgbClr val="7030A0"/>
                 </a:solidFill>
               </a:rPr>
-              <a:t>Name</a:t>
+              <a:t>Title</a:t>
             </a:r>
             <a:endParaRPr lang="en-SG" sz="1050" dirty="0">
               <a:solidFill>
@@ -3937,7 +3937,7 @@
         <p:spPr>
           <a:xfrm>
             <a:off x="6680903" y="3376926"/>
-            <a:ext cx="708186" cy="285783"/>
+            <a:ext cx="867270" cy="285783"/>
           </a:xfrm>
           <a:prstGeom prst="rect">
             <a:avLst/>
@@ -3974,7 +3974,7 @@
                   <a:srgbClr val="7030A0"/>
                 </a:solidFill>
               </a:rPr>
-              <a:t>Phone</a:t>
+              <a:t>Description</a:t>
             </a:r>
             <a:endParaRPr lang="en-SG" sz="1050" dirty="0">
               <a:solidFill>
@@ -3988,6 +3988,7 @@
         <p:nvCxnSpPr>
           <p:cNvPr id="81" name="Elbow Connector 80"/>
           <p:cNvCxnSpPr>
+            <a:cxnSpLocks/>
             <a:stCxn id="78" idx="3"/>
             <a:endCxn id="80" idx="1"/>
           </p:cNvCxnSpPr>
@@ -4034,7 +4035,7 @@
         <p:spPr>
           <a:xfrm>
             <a:off x="6680903" y="3699904"/>
-            <a:ext cx="708186" cy="285783"/>
+            <a:ext cx="867270" cy="285783"/>
           </a:xfrm>
           <a:prstGeom prst="rect">
             <a:avLst/>
@@ -4071,7 +4072,7 @@
                   <a:srgbClr val="7030A0"/>
                 </a:solidFill>
               </a:rPr>
-              <a:t>Email</a:t>
+              <a:t>Link</a:t>
             </a:r>
             <a:endParaRPr lang="en-SG" sz="1050" dirty="0">
               <a:solidFill>
@@ -4085,6 +4086,7 @@
         <p:nvCxnSpPr>
           <p:cNvPr id="84" name="Elbow Connector 83"/>
           <p:cNvCxnSpPr>
+            <a:cxnSpLocks/>
             <a:stCxn id="78" idx="3"/>
             <a:endCxn id="83" idx="1"/>
           </p:cNvCxnSpPr>
@@ -4094,104 +4096,6 @@
           <a:xfrm>
             <a:off x="6246501" y="3524601"/>
             <a:ext cx="434402" cy="318195"/>
-          </a:xfrm>
-          <a:prstGeom prst="bentConnector3">
-            <a:avLst/>
-          </a:prstGeom>
-          <a:ln w="19050">
-            <a:solidFill>
-              <a:srgbClr val="7030A0"/>
-            </a:solidFill>
-            <a:headEnd type="none" w="med" len="med"/>
-            <a:tailEnd type="arrow" w="med" len="med"/>
-          </a:ln>
-          <a:effectLst/>
-        </p:spPr>
-        <p:style>
-          <a:lnRef idx="1">
-            <a:schemeClr val="accent2"/>
-          </a:lnRef>
-          <a:fillRef idx="2">
-            <a:schemeClr val="accent2"/>
-          </a:fillRef>
-          <a:effectRef idx="1">
-            <a:schemeClr val="accent2"/>
-          </a:effectRef>
-          <a:fontRef idx="minor">
-            <a:schemeClr val="dk1"/>
-          </a:fontRef>
-        </p:style>
-      </p:cxnSp>
-      <p:sp>
-        <p:nvSpPr>
-          <p:cNvPr id="85" name="Rectangle 8"/>
-          <p:cNvSpPr/>
-          <p:nvPr/>
-        </p:nvSpPr>
-        <p:spPr>
-          <a:xfrm>
-            <a:off x="6680903" y="4022881"/>
-            <a:ext cx="708186" cy="285783"/>
-          </a:xfrm>
-          <a:prstGeom prst="rect">
-            <a:avLst/>
-          </a:prstGeom>
-          <a:ln w="19050">
-            <a:solidFill>
-              <a:srgbClr val="7030A0"/>
-            </a:solidFill>
-          </a:ln>
-          <a:effectLst/>
-        </p:spPr>
-        <p:style>
-          <a:lnRef idx="1">
-            <a:schemeClr val="accent4"/>
-          </a:lnRef>
-          <a:fillRef idx="2">
-            <a:schemeClr val="accent4"/>
-          </a:fillRef>
-          <a:effectRef idx="1">
-            <a:schemeClr val="accent4"/>
-          </a:effectRef>
-          <a:fontRef idx="minor">
-            <a:schemeClr val="dk1"/>
-          </a:fontRef>
-        </p:style>
-        <p:txBody>
-          <a:bodyPr rtlCol="0" anchor="ctr"/>
-          <a:lstStyle/>
-          <a:p>
-            <a:pPr algn="ctr"/>
-            <a:r>
-              <a:rPr lang="en-US" sz="1050" dirty="0">
-                <a:solidFill>
-                  <a:srgbClr val="7030A0"/>
-                </a:solidFill>
-              </a:rPr>
-              <a:t>Address</a:t>
-            </a:r>
-            <a:endParaRPr lang="en-SG" sz="1050" dirty="0">
-              <a:solidFill>
-                <a:srgbClr val="7030A0"/>
-              </a:solidFill>
-            </a:endParaRPr>
-          </a:p>
-        </p:txBody>
-      </p:sp>
-      <p:cxnSp>
-        <p:nvCxnSpPr>
-          <p:cNvPr id="86" name="Elbow Connector 85"/>
-          <p:cNvCxnSpPr>
-            <a:cxnSpLocks/>
-            <a:stCxn id="78" idx="3"/>
-            <a:endCxn id="85" idx="1"/>
-          </p:cNvCxnSpPr>
-          <p:nvPr/>
-        </p:nvCxnSpPr>
-        <p:spPr>
-          <a:xfrm>
-            <a:off x="6246501" y="3524601"/>
-            <a:ext cx="434402" cy="641172"/>
           </a:xfrm>
           <a:prstGeom prst="bentConnector3">
             <a:avLst/>
